--- a/Slides/PPT/Word2Vector.pptx
+++ b/Slides/PPT/Word2Vector.pptx
@@ -255,7 +255,7 @@
           <a:p>
             <a:fld id="{15C1F408-A2F9-4BC0-8C49-E353958EEBB1}" type="datetimeFigureOut">
               <a:rPr lang="zh-TW" altLang="en-US" smtClean="0"/>
-              <a:t>2020/11/12</a:t>
+              <a:t>2020/11/20</a:t>
             </a:fld>
             <a:endParaRPr lang="zh-TW" altLang="en-US"/>
           </a:p>
@@ -420,7 +420,7 @@
           <a:p>
             <a:fld id="{EF3AF5C7-7567-482A-BA77-D881B9E5976B}" type="datetimeFigureOut">
               <a:rPr lang="en-US" smtClean="0"/>
-              <a:t>11/12/2020</a:t>
+              <a:t>11/20/2020</a:t>
             </a:fld>
             <a:endParaRPr lang="en-US"/>
           </a:p>
@@ -13528,7 +13528,7 @@
                 </a14:m>
                 <a:r>
                   <a:rPr lang="en-US" dirty="0" smtClean="0"/>
-                  <a:t> with sigmoid function as follow.</a:t>
+                  <a:t> with sigmoid function as follows.</a:t>
                 </a:r>
               </a:p>
               <a:p>
@@ -13851,7 +13851,7 @@
               <a:blipFill>
                 <a:blip r:embed="rId2"/>
                 <a:stretch>
-                  <a:fillRect l="-1086" t="-2165"/>
+                  <a:fillRect l="-785" t="-1894" r="-1388"/>
                 </a:stretch>
               </a:blipFill>
             </p:spPr>
@@ -13860,7 +13860,7 @@
               <a:lstStyle/>
               <a:p>
                 <a:r>
-                  <a:rPr lang="zh-TW" altLang="en-US">
+                  <a:rPr lang="en-US">
                     <a:noFill/>
                   </a:rPr>
                   <a:t> </a:t>
@@ -18836,7 +18836,7 @@
               <a:p>
                 <a:r>
                   <a:rPr lang="en-US" dirty="0" smtClean="0"/>
-                  <a:t>The probability is, then, as follow.</a:t>
+                  <a:t>The probability is, then, as follows.</a:t>
                 </a:r>
               </a:p>
               <a:p>
@@ -19979,7 +19979,7 @@
               <a:lstStyle/>
               <a:p>
                 <a:r>
-                  <a:rPr lang="zh-TW" altLang="en-US">
+                  <a:rPr lang="en-US">
                     <a:noFill/>
                   </a:rPr>
                   <a:t> </a:t>
@@ -20368,7 +20368,7 @@
                 </a14:m>
                 <a:r>
                   <a:rPr lang="en-US" dirty="0" smtClean="0"/>
-                  <a:t> is as follow.</a:t>
+                  <a:t> is as follows.</a:t>
                 </a:r>
               </a:p>
               <a:p>
@@ -21254,7 +21254,7 @@
               <a:blipFill>
                 <a:blip r:embed="rId2"/>
                 <a:stretch>
-                  <a:fillRect l="-1084" t="-2216"/>
+                  <a:fillRect l="-783" t="-1939"/>
                 </a:stretch>
               </a:blipFill>
             </p:spPr>
@@ -21263,7 +21263,7 @@
               <a:lstStyle/>
               <a:p>
                 <a:r>
-                  <a:rPr lang="zh-TW" altLang="en-US">
+                  <a:rPr lang="en-US">
                     <a:noFill/>
                   </a:rPr>
                   <a:t> </a:t>
@@ -28021,7 +28021,7 @@
               <a:p>
                 <a:r>
                   <a:rPr lang="en-US" dirty="0" smtClean="0"/>
-                  <a:t>We estimate the probability intuitively by using Maximum Likelihood Estimation. The formula is as follow.</a:t>
+                  <a:t>We estimate the probability intuitively by using Maximum Likelihood Estimation. The formula is as follows.</a:t>
                 </a:r>
               </a:p>
               <a:p>
@@ -28442,7 +28442,7 @@
               <a:blipFill>
                 <a:blip r:embed="rId2"/>
                 <a:stretch>
-                  <a:fillRect l="-571" t="-177"/>
+                  <a:fillRect l="-812" t="-1961"/>
                 </a:stretch>
               </a:blipFill>
             </p:spPr>
